--- a/RNWF11/media/boards/RNWF11_Power_USB.pptx
+++ b/RNWF11/media/boards/RNWF11_Power_USB.pptx
@@ -104,6 +104,11 @@
       </a:defRPr>
     </a:lvl9pPr>
   </p:defaultTextStyle>
+  <p:extLst>
+    <p:ext uri="{EFAFB233-063F-42B5-8137-9DF3F51BA10A}">
+      <p15:sldGuideLst xmlns:p15="http://schemas.microsoft.com/office/powerpoint/2012/main"/>
+    </p:ext>
+  </p:extLst>
 </p:presentation>
 </file>
 
@@ -254,7 +259,7 @@
           <a:p>
             <a:fld id="{A721224C-57D3-924A-9F57-880433E9CE2E}" type="datetimeFigureOut">
               <a:rPr lang="en-US" smtClean="0"/>
-              <a:t>12/21/23</a:t>
+              <a:t>12/22/23</a:t>
             </a:fld>
             <a:endParaRPr lang="en-US"/>
           </a:p>
@@ -452,7 +457,7 @@
           <a:p>
             <a:fld id="{A721224C-57D3-924A-9F57-880433E9CE2E}" type="datetimeFigureOut">
               <a:rPr lang="en-US" smtClean="0"/>
-              <a:t>12/21/23</a:t>
+              <a:t>12/22/23</a:t>
             </a:fld>
             <a:endParaRPr lang="en-US"/>
           </a:p>
@@ -660,7 +665,7 @@
           <a:p>
             <a:fld id="{A721224C-57D3-924A-9F57-880433E9CE2E}" type="datetimeFigureOut">
               <a:rPr lang="en-US" smtClean="0"/>
-              <a:t>12/21/23</a:t>
+              <a:t>12/22/23</a:t>
             </a:fld>
             <a:endParaRPr lang="en-US"/>
           </a:p>
@@ -858,7 +863,7 @@
           <a:p>
             <a:fld id="{A721224C-57D3-924A-9F57-880433E9CE2E}" type="datetimeFigureOut">
               <a:rPr lang="en-US" smtClean="0"/>
-              <a:t>12/21/23</a:t>
+              <a:t>12/22/23</a:t>
             </a:fld>
             <a:endParaRPr lang="en-US"/>
           </a:p>
@@ -1133,7 +1138,7 @@
           <a:p>
             <a:fld id="{A721224C-57D3-924A-9F57-880433E9CE2E}" type="datetimeFigureOut">
               <a:rPr lang="en-US" smtClean="0"/>
-              <a:t>12/21/23</a:t>
+              <a:t>12/22/23</a:t>
             </a:fld>
             <a:endParaRPr lang="en-US"/>
           </a:p>
@@ -1398,7 +1403,7 @@
           <a:p>
             <a:fld id="{A721224C-57D3-924A-9F57-880433E9CE2E}" type="datetimeFigureOut">
               <a:rPr lang="en-US" smtClean="0"/>
-              <a:t>12/21/23</a:t>
+              <a:t>12/22/23</a:t>
             </a:fld>
             <a:endParaRPr lang="en-US"/>
           </a:p>
@@ -1810,7 +1815,7 @@
           <a:p>
             <a:fld id="{A721224C-57D3-924A-9F57-880433E9CE2E}" type="datetimeFigureOut">
               <a:rPr lang="en-US" smtClean="0"/>
-              <a:t>12/21/23</a:t>
+              <a:t>12/22/23</a:t>
             </a:fld>
             <a:endParaRPr lang="en-US"/>
           </a:p>
@@ -1951,7 +1956,7 @@
           <a:p>
             <a:fld id="{A721224C-57D3-924A-9F57-880433E9CE2E}" type="datetimeFigureOut">
               <a:rPr lang="en-US" smtClean="0"/>
-              <a:t>12/21/23</a:t>
+              <a:t>12/22/23</a:t>
             </a:fld>
             <a:endParaRPr lang="en-US"/>
           </a:p>
@@ -2064,7 +2069,7 @@
           <a:p>
             <a:fld id="{A721224C-57D3-924A-9F57-880433E9CE2E}" type="datetimeFigureOut">
               <a:rPr lang="en-US" smtClean="0"/>
-              <a:t>12/21/23</a:t>
+              <a:t>12/22/23</a:t>
             </a:fld>
             <a:endParaRPr lang="en-US"/>
           </a:p>
@@ -2375,7 +2380,7 @@
           <a:p>
             <a:fld id="{A721224C-57D3-924A-9F57-880433E9CE2E}" type="datetimeFigureOut">
               <a:rPr lang="en-US" smtClean="0"/>
-              <a:t>12/21/23</a:t>
+              <a:t>12/22/23</a:t>
             </a:fld>
             <a:endParaRPr lang="en-US"/>
           </a:p>
@@ -2663,7 +2668,7 @@
           <a:p>
             <a:fld id="{A721224C-57D3-924A-9F57-880433E9CE2E}" type="datetimeFigureOut">
               <a:rPr lang="en-US" smtClean="0"/>
-              <a:t>12/21/23</a:t>
+              <a:t>12/22/23</a:t>
             </a:fld>
             <a:endParaRPr lang="en-US"/>
           </a:p>
@@ -2904,7 +2909,7 @@
           <a:p>
             <a:fld id="{A721224C-57D3-924A-9F57-880433E9CE2E}" type="datetimeFigureOut">
               <a:rPr lang="en-US" smtClean="0"/>
-              <a:t>12/21/23</a:t>
+              <a:t>12/22/23</a:t>
             </a:fld>
             <a:endParaRPr lang="en-US"/>
           </a:p>
@@ -3323,10 +3328,10 @@
       </p:grpSpPr>
       <p:pic>
         <p:nvPicPr>
-          <p:cNvPr id="5" name="Picture 4" descr="A close-up of a red circuit board&#10;&#10;Description automatically generated">
-            <a:extLst>
-              <a:ext uri="{FF2B5EF4-FFF2-40B4-BE49-F238E27FC236}">
-                <a16:creationId xmlns:a16="http://schemas.microsoft.com/office/drawing/2014/main" id="{D711712F-5296-32F9-C937-DFD5A70ACC10}"/>
+          <p:cNvPr id="3" name="Picture 2" descr="A close-up of a circuit board&#10;&#10;Description automatically generated">
+            <a:extLst>
+              <a:ext uri="{FF2B5EF4-FFF2-40B4-BE49-F238E27FC236}">
+                <a16:creationId xmlns:a16="http://schemas.microsoft.com/office/drawing/2014/main" id="{2304291A-654E-178B-51FB-6C14AB363B7F}"/>
               </a:ext>
             </a:extLst>
           </p:cNvPr>
@@ -3343,8 +3348,8 @@
         </p:blipFill>
         <p:spPr>
           <a:xfrm>
-            <a:off x="3511550" y="2540000"/>
-            <a:ext cx="5168900" cy="1778000"/>
+            <a:off x="1804714" y="1824203"/>
+            <a:ext cx="7772400" cy="3498627"/>
           </a:xfrm>
           <a:prstGeom prst="rect">
             <a:avLst/>
@@ -3365,8 +3370,8 @@
         </p:nvSpPr>
         <p:spPr>
           <a:xfrm>
-            <a:off x="6852745" y="2935794"/>
-            <a:ext cx="2273643" cy="914400"/>
+            <a:off x="6873765" y="2956814"/>
+            <a:ext cx="2467943" cy="914400"/>
           </a:xfrm>
           <a:prstGeom prst="leftArrow">
             <a:avLst/>
@@ -3399,7 +3404,7 @@
                   <a:srgbClr val="FFFF00"/>
                 </a:solidFill>
               </a:rPr>
-              <a:t>JUMPER</a:t>
+              <a:t>JUMPER (PC 3V3)</a:t>
             </a:r>
           </a:p>
         </p:txBody>
@@ -3418,14 +3423,14 @@
         </p:nvSpPr>
         <p:spPr>
           <a:xfrm>
-            <a:off x="6630181" y="3237186"/>
-            <a:ext cx="210207" cy="336331"/>
+            <a:off x="6598651" y="3195146"/>
+            <a:ext cx="254094" cy="504495"/>
           </a:xfrm>
           <a:prstGeom prst="rect">
             <a:avLst/>
           </a:prstGeom>
           <a:noFill/>
-          <a:ln w="38100">
+          <a:ln w="50800">
             <a:solidFill>
               <a:srgbClr val="FFFF00"/>
             </a:solidFill>

--- a/RNWF11/media/boards/RNWF11_Power_USB.pptx
+++ b/RNWF11/media/boards/RNWF11_Power_USB.pptx
@@ -3328,10 +3328,10 @@
       </p:grpSpPr>
       <p:pic>
         <p:nvPicPr>
-          <p:cNvPr id="3" name="Picture 2" descr="A close-up of a circuit board&#10;&#10;Description automatically generated">
-            <a:extLst>
-              <a:ext uri="{FF2B5EF4-FFF2-40B4-BE49-F238E27FC236}">
-                <a16:creationId xmlns:a16="http://schemas.microsoft.com/office/drawing/2014/main" id="{2304291A-654E-178B-51FB-6C14AB363B7F}"/>
+          <p:cNvPr id="2" name="Picture 1">
+            <a:extLst>
+              <a:ext uri="{FF2B5EF4-FFF2-40B4-BE49-F238E27FC236}">
+                <a16:creationId xmlns:a16="http://schemas.microsoft.com/office/drawing/2014/main" id="{9226AB98-2FA5-B9DD-D849-302624E7A8E3}"/>
               </a:ext>
             </a:extLst>
           </p:cNvPr>
@@ -3347,9 +3347,9 @@
           </a:stretch>
         </p:blipFill>
         <p:spPr>
-          <a:xfrm>
-            <a:off x="1804714" y="1824203"/>
-            <a:ext cx="7772400" cy="3498627"/>
+          <a:xfrm rot="5400000">
+            <a:off x="3929496" y="-455167"/>
+            <a:ext cx="3498627" cy="7768333"/>
           </a:xfrm>
           <a:prstGeom prst="rect">
             <a:avLst/>
